--- a/商业计划书.pptx
+++ b/商业计划书.pptx
@@ -3983,1099 +3983,6 @@
       <dsp:cNvGrpSpPr/>
     </dsp:nvGrpSpPr>
     <dsp:grpSpPr/>
-    <dsp:sp modelId="{9BFCC5A1-7A3E-4624-9C31-A4FD3BE93FD0}">
-      <dsp:nvSpPr>
-        <dsp:cNvPr id="0" name=""/>
-        <dsp:cNvSpPr/>
-      </dsp:nvSpPr>
-      <dsp:spPr>
-        <a:xfrm>
-          <a:off x="3930" y="2211317"/>
-          <a:ext cx="1064019" cy="1276200"/>
-        </a:xfrm>
-        <a:prstGeom prst="roundRect">
-          <a:avLst>
-            <a:gd name="adj" fmla="val 10000"/>
-          </a:avLst>
-        </a:prstGeom>
-        <a:solidFill>
-          <a:schemeClr val="accent1">
-            <a:hueOff val="0"/>
-            <a:satOff val="0"/>
-            <a:lumOff val="0"/>
-            <a:alphaOff val="0"/>
-          </a:schemeClr>
-        </a:solidFill>
-        <a:ln w="15875" cap="flat" cmpd="sng" algn="ctr">
-          <a:solidFill>
-            <a:schemeClr val="lt1">
-              <a:hueOff val="0"/>
-              <a:satOff val="0"/>
-              <a:lumOff val="0"/>
-              <a:alphaOff val="0"/>
-            </a:schemeClr>
-          </a:solidFill>
-          <a:prstDash val="solid"/>
-        </a:ln>
-        <a:effectLst/>
-      </dsp:spPr>
-      <dsp:style>
-        <a:lnRef idx="2">
-          <a:scrgbClr r="0" g="0" b="0"/>
-        </a:lnRef>
-        <a:fillRef idx="1">
-          <a:scrgbClr r="0" g="0" b="0"/>
-        </a:fillRef>
-        <a:effectRef idx="0">
-          <a:scrgbClr r="0" g="0" b="0"/>
-        </a:effectRef>
-        <a:fontRef idx="minor">
-          <a:schemeClr val="lt1"/>
-        </a:fontRef>
-      </dsp:style>
-      <dsp:txBody>
-        <a:bodyPr spcFirstLastPara="0" vert="horz" wrap="square" lIns="68580" tIns="68580" rIns="68580" bIns="68580" numCol="1" spcCol="1270" anchor="ctr" anchorCtr="0">
-          <a:noAutofit/>
-        </a:bodyPr>
-        <a:lstStyle/>
-        <a:p>
-          <a:pPr lvl="0" algn="ctr" defTabSz="800100">
-            <a:lnSpc>
-              <a:spcPct val="90000"/>
-            </a:lnSpc>
-            <a:spcBef>
-              <a:spcPct val="0"/>
-            </a:spcBef>
-            <a:spcAft>
-              <a:spcPct val="35000"/>
-            </a:spcAft>
-          </a:pPr>
-          <a:r>
-            <a:rPr lang="zh-CN" altLang="en-US" sz="1800" b="1" kern="1200" dirty="0" smtClean="0"/>
-            <a:t>我们要解决什么需求？</a:t>
-          </a:r>
-          <a:endParaRPr lang="zh-CN" altLang="en-US" sz="1800" b="1" kern="1200" dirty="0"/>
-        </a:p>
-      </dsp:txBody>
-      <dsp:txXfrm>
-        <a:off x="35094" y="2242481"/>
-        <a:ext cx="1001691" cy="1213872"/>
-      </dsp:txXfrm>
-    </dsp:sp>
-    <dsp:sp modelId="{FB69E74F-1D20-44BB-A717-9C1AEAF1F2BC}">
-      <dsp:nvSpPr>
-        <dsp:cNvPr id="0" name=""/>
-        <dsp:cNvSpPr/>
-      </dsp:nvSpPr>
-      <dsp:spPr>
-        <a:xfrm>
-          <a:off x="1174352" y="2717479"/>
-          <a:ext cx="225572" cy="263876"/>
-        </a:xfrm>
-        <a:prstGeom prst="rightArrow">
-          <a:avLst>
-            <a:gd name="adj1" fmla="val 60000"/>
-            <a:gd name="adj2" fmla="val 50000"/>
-          </a:avLst>
-        </a:prstGeom>
-        <a:solidFill>
-          <a:schemeClr val="accent1">
-            <a:tint val="60000"/>
-            <a:hueOff val="0"/>
-            <a:satOff val="0"/>
-            <a:lumOff val="0"/>
-            <a:alphaOff val="0"/>
-          </a:schemeClr>
-        </a:solidFill>
-        <a:ln>
-          <a:noFill/>
-        </a:ln>
-        <a:effectLst/>
-      </dsp:spPr>
-      <dsp:style>
-        <a:lnRef idx="0">
-          <a:scrgbClr r="0" g="0" b="0"/>
-        </a:lnRef>
-        <a:fillRef idx="1">
-          <a:scrgbClr r="0" g="0" b="0"/>
-        </a:fillRef>
-        <a:effectRef idx="0">
-          <a:scrgbClr r="0" g="0" b="0"/>
-        </a:effectRef>
-        <a:fontRef idx="minor">
-          <a:schemeClr val="lt1"/>
-        </a:fontRef>
-      </dsp:style>
-      <dsp:txBody>
-        <a:bodyPr spcFirstLastPara="0" vert="horz" wrap="square" lIns="0" tIns="0" rIns="0" bIns="0" numCol="1" spcCol="1270" anchor="ctr" anchorCtr="0">
-          <a:noAutofit/>
-        </a:bodyPr>
-        <a:lstStyle/>
-        <a:p>
-          <a:pPr lvl="0" algn="ctr" defTabSz="488950">
-            <a:lnSpc>
-              <a:spcPct val="90000"/>
-            </a:lnSpc>
-            <a:spcBef>
-              <a:spcPct val="0"/>
-            </a:spcBef>
-            <a:spcAft>
-              <a:spcPct val="35000"/>
-            </a:spcAft>
-          </a:pPr>
-          <a:endParaRPr lang="zh-CN" altLang="en-US" sz="1100" b="1" kern="1200"/>
-        </a:p>
-      </dsp:txBody>
-      <dsp:txXfrm>
-        <a:off x="1174352" y="2770254"/>
-        <a:ext cx="157900" cy="158326"/>
-      </dsp:txXfrm>
-    </dsp:sp>
-    <dsp:sp modelId="{A0CE368E-F97A-4723-BA39-4DB8E96D3EF2}">
-      <dsp:nvSpPr>
-        <dsp:cNvPr id="0" name=""/>
-        <dsp:cNvSpPr/>
-      </dsp:nvSpPr>
-      <dsp:spPr>
-        <a:xfrm>
-          <a:off x="1493557" y="2211317"/>
-          <a:ext cx="1064019" cy="1276200"/>
-        </a:xfrm>
-        <a:prstGeom prst="roundRect">
-          <a:avLst>
-            <a:gd name="adj" fmla="val 10000"/>
-          </a:avLst>
-        </a:prstGeom>
-        <a:solidFill>
-          <a:schemeClr val="tx1">
-            <a:lumMod val="65000"/>
-            <a:lumOff val="35000"/>
-          </a:schemeClr>
-        </a:solidFill>
-        <a:ln w="15875" cap="flat" cmpd="sng" algn="ctr">
-          <a:solidFill>
-            <a:schemeClr val="lt1">
-              <a:hueOff val="0"/>
-              <a:satOff val="0"/>
-              <a:lumOff val="0"/>
-              <a:alphaOff val="0"/>
-            </a:schemeClr>
-          </a:solidFill>
-          <a:prstDash val="solid"/>
-        </a:ln>
-        <a:effectLst/>
-      </dsp:spPr>
-      <dsp:style>
-        <a:lnRef idx="2">
-          <a:scrgbClr r="0" g="0" b="0"/>
-        </a:lnRef>
-        <a:fillRef idx="1">
-          <a:scrgbClr r="0" g="0" b="0"/>
-        </a:fillRef>
-        <a:effectRef idx="0">
-          <a:scrgbClr r="0" g="0" b="0"/>
-        </a:effectRef>
-        <a:fontRef idx="minor">
-          <a:schemeClr val="lt1"/>
-        </a:fontRef>
-      </dsp:style>
-      <dsp:txBody>
-        <a:bodyPr spcFirstLastPara="0" vert="horz" wrap="square" lIns="68580" tIns="68580" rIns="68580" bIns="68580" numCol="1" spcCol="1270" anchor="ctr" anchorCtr="0">
-          <a:noAutofit/>
-        </a:bodyPr>
-        <a:lstStyle/>
-        <a:p>
-          <a:pPr lvl="0" algn="ctr" defTabSz="800100">
-            <a:lnSpc>
-              <a:spcPct val="90000"/>
-            </a:lnSpc>
-            <a:spcBef>
-              <a:spcPct val="0"/>
-            </a:spcBef>
-            <a:spcAft>
-              <a:spcPct val="35000"/>
-            </a:spcAft>
-          </a:pPr>
-          <a:r>
-            <a:rPr lang="zh-CN" altLang="en-US" sz="1800" b="1" kern="1200" dirty="0" smtClean="0"/>
-            <a:t>我们的灵感来源</a:t>
-          </a:r>
-          <a:endParaRPr lang="zh-CN" altLang="en-US" sz="1800" b="1" kern="1200" dirty="0"/>
-        </a:p>
-      </dsp:txBody>
-      <dsp:txXfrm>
-        <a:off x="1524721" y="2242481"/>
-        <a:ext cx="1001691" cy="1213872"/>
-      </dsp:txXfrm>
-    </dsp:sp>
-    <dsp:sp modelId="{D70A4D01-85CC-4161-80F8-71E473CD504E}">
-      <dsp:nvSpPr>
-        <dsp:cNvPr id="0" name=""/>
-        <dsp:cNvSpPr/>
-      </dsp:nvSpPr>
-      <dsp:spPr>
-        <a:xfrm>
-          <a:off x="2663979" y="2717479"/>
-          <a:ext cx="225572" cy="263876"/>
-        </a:xfrm>
-        <a:prstGeom prst="rightArrow">
-          <a:avLst>
-            <a:gd name="adj1" fmla="val 60000"/>
-            <a:gd name="adj2" fmla="val 50000"/>
-          </a:avLst>
-        </a:prstGeom>
-        <a:solidFill>
-          <a:schemeClr val="accent1">
-            <a:tint val="60000"/>
-            <a:hueOff val="0"/>
-            <a:satOff val="0"/>
-            <a:lumOff val="0"/>
-            <a:alphaOff val="0"/>
-          </a:schemeClr>
-        </a:solidFill>
-        <a:ln>
-          <a:noFill/>
-        </a:ln>
-        <a:effectLst/>
-      </dsp:spPr>
-      <dsp:style>
-        <a:lnRef idx="0">
-          <a:scrgbClr r="0" g="0" b="0"/>
-        </a:lnRef>
-        <a:fillRef idx="1">
-          <a:scrgbClr r="0" g="0" b="0"/>
-        </a:fillRef>
-        <a:effectRef idx="0">
-          <a:scrgbClr r="0" g="0" b="0"/>
-        </a:effectRef>
-        <a:fontRef idx="minor">
-          <a:schemeClr val="lt1"/>
-        </a:fontRef>
-      </dsp:style>
-      <dsp:txBody>
-        <a:bodyPr spcFirstLastPara="0" vert="horz" wrap="square" lIns="0" tIns="0" rIns="0" bIns="0" numCol="1" spcCol="1270" anchor="ctr" anchorCtr="0">
-          <a:noAutofit/>
-        </a:bodyPr>
-        <a:lstStyle/>
-        <a:p>
-          <a:pPr lvl="0" algn="ctr" defTabSz="488950">
-            <a:lnSpc>
-              <a:spcPct val="90000"/>
-            </a:lnSpc>
-            <a:spcBef>
-              <a:spcPct val="0"/>
-            </a:spcBef>
-            <a:spcAft>
-              <a:spcPct val="35000"/>
-            </a:spcAft>
-          </a:pPr>
-          <a:endParaRPr lang="zh-CN" altLang="en-US" sz="1100" b="1" kern="1200"/>
-        </a:p>
-      </dsp:txBody>
-      <dsp:txXfrm>
-        <a:off x="2663979" y="2770254"/>
-        <a:ext cx="157900" cy="158326"/>
-      </dsp:txXfrm>
-    </dsp:sp>
-    <dsp:sp modelId="{D36D1480-EAE6-4141-9753-5F7C66DFB541}">
-      <dsp:nvSpPr>
-        <dsp:cNvPr id="0" name=""/>
-        <dsp:cNvSpPr/>
-      </dsp:nvSpPr>
-      <dsp:spPr>
-        <a:xfrm>
-          <a:off x="2983185" y="2211317"/>
-          <a:ext cx="1064019" cy="1276200"/>
-        </a:xfrm>
-        <a:prstGeom prst="roundRect">
-          <a:avLst>
-            <a:gd name="adj" fmla="val 10000"/>
-          </a:avLst>
-        </a:prstGeom>
-        <a:solidFill>
-          <a:schemeClr val="bg2">
-            <a:lumMod val="50000"/>
-          </a:schemeClr>
-        </a:solidFill>
-        <a:ln w="15875" cap="flat" cmpd="sng" algn="ctr">
-          <a:solidFill>
-            <a:schemeClr val="lt1">
-              <a:hueOff val="0"/>
-              <a:satOff val="0"/>
-              <a:lumOff val="0"/>
-              <a:alphaOff val="0"/>
-            </a:schemeClr>
-          </a:solidFill>
-          <a:prstDash val="solid"/>
-        </a:ln>
-        <a:effectLst/>
-      </dsp:spPr>
-      <dsp:style>
-        <a:lnRef idx="2">
-          <a:scrgbClr r="0" g="0" b="0"/>
-        </a:lnRef>
-        <a:fillRef idx="1">
-          <a:scrgbClr r="0" g="0" b="0"/>
-        </a:fillRef>
-        <a:effectRef idx="0">
-          <a:scrgbClr r="0" g="0" b="0"/>
-        </a:effectRef>
-        <a:fontRef idx="minor">
-          <a:schemeClr val="lt1"/>
-        </a:fontRef>
-      </dsp:style>
-      <dsp:txBody>
-        <a:bodyPr spcFirstLastPara="0" vert="horz" wrap="square" lIns="68580" tIns="68580" rIns="68580" bIns="68580" numCol="1" spcCol="1270" anchor="ctr" anchorCtr="0">
-          <a:noAutofit/>
-        </a:bodyPr>
-        <a:lstStyle/>
-        <a:p>
-          <a:pPr lvl="0" algn="ctr" defTabSz="800100">
-            <a:lnSpc>
-              <a:spcPct val="90000"/>
-            </a:lnSpc>
-            <a:spcBef>
-              <a:spcPct val="0"/>
-            </a:spcBef>
-            <a:spcAft>
-              <a:spcPct val="35000"/>
-            </a:spcAft>
-          </a:pPr>
-          <a:r>
-            <a:rPr lang="zh-CN" altLang="en-US" sz="1800" b="1" kern="1200" dirty="0" smtClean="0"/>
-            <a:t>我们要做什么</a:t>
-          </a:r>
-          <a:endParaRPr lang="zh-CN" altLang="en-US" sz="1800" b="1" kern="1200" dirty="0"/>
-        </a:p>
-      </dsp:txBody>
-      <dsp:txXfrm>
-        <a:off x="3014349" y="2242481"/>
-        <a:ext cx="1001691" cy="1213872"/>
-      </dsp:txXfrm>
-    </dsp:sp>
-    <dsp:sp modelId="{066D64FA-A52B-4DA4-A12B-04ABA7717CD4}">
-      <dsp:nvSpPr>
-        <dsp:cNvPr id="0" name=""/>
-        <dsp:cNvSpPr/>
-      </dsp:nvSpPr>
-      <dsp:spPr>
-        <a:xfrm>
-          <a:off x="4153607" y="2717479"/>
-          <a:ext cx="225572" cy="263876"/>
-        </a:xfrm>
-        <a:prstGeom prst="rightArrow">
-          <a:avLst>
-            <a:gd name="adj1" fmla="val 60000"/>
-            <a:gd name="adj2" fmla="val 50000"/>
-          </a:avLst>
-        </a:prstGeom>
-        <a:solidFill>
-          <a:schemeClr val="accent1">
-            <a:tint val="60000"/>
-            <a:hueOff val="0"/>
-            <a:satOff val="0"/>
-            <a:lumOff val="0"/>
-            <a:alphaOff val="0"/>
-          </a:schemeClr>
-        </a:solidFill>
-        <a:ln>
-          <a:noFill/>
-        </a:ln>
-        <a:effectLst/>
-      </dsp:spPr>
-      <dsp:style>
-        <a:lnRef idx="0">
-          <a:scrgbClr r="0" g="0" b="0"/>
-        </a:lnRef>
-        <a:fillRef idx="1">
-          <a:scrgbClr r="0" g="0" b="0"/>
-        </a:fillRef>
-        <a:effectRef idx="0">
-          <a:scrgbClr r="0" g="0" b="0"/>
-        </a:effectRef>
-        <a:fontRef idx="minor">
-          <a:schemeClr val="lt1"/>
-        </a:fontRef>
-      </dsp:style>
-      <dsp:txBody>
-        <a:bodyPr spcFirstLastPara="0" vert="horz" wrap="square" lIns="0" tIns="0" rIns="0" bIns="0" numCol="1" spcCol="1270" anchor="ctr" anchorCtr="0">
-          <a:noAutofit/>
-        </a:bodyPr>
-        <a:lstStyle/>
-        <a:p>
-          <a:pPr lvl="0" algn="ctr" defTabSz="488950">
-            <a:lnSpc>
-              <a:spcPct val="90000"/>
-            </a:lnSpc>
-            <a:spcBef>
-              <a:spcPct val="0"/>
-            </a:spcBef>
-            <a:spcAft>
-              <a:spcPct val="35000"/>
-            </a:spcAft>
-          </a:pPr>
-          <a:endParaRPr lang="zh-CN" altLang="en-US" sz="1100" b="1" kern="1200"/>
-        </a:p>
-      </dsp:txBody>
-      <dsp:txXfrm>
-        <a:off x="4153607" y="2770254"/>
-        <a:ext cx="157900" cy="158326"/>
-      </dsp:txXfrm>
-    </dsp:sp>
-    <dsp:sp modelId="{CBEBAD6C-9B6A-434C-8066-EDFEE5B84068}">
-      <dsp:nvSpPr>
-        <dsp:cNvPr id="0" name=""/>
-        <dsp:cNvSpPr/>
-      </dsp:nvSpPr>
-      <dsp:spPr>
-        <a:xfrm>
-          <a:off x="4472812" y="2211317"/>
-          <a:ext cx="1064019" cy="1276200"/>
-        </a:xfrm>
-        <a:prstGeom prst="roundRect">
-          <a:avLst>
-            <a:gd name="adj" fmla="val 10000"/>
-          </a:avLst>
-        </a:prstGeom>
-        <a:solidFill>
-          <a:schemeClr val="accent2">
-            <a:lumMod val="75000"/>
-          </a:schemeClr>
-        </a:solidFill>
-        <a:ln w="15875" cap="flat" cmpd="sng" algn="ctr">
-          <a:solidFill>
-            <a:schemeClr val="lt1">
-              <a:hueOff val="0"/>
-              <a:satOff val="0"/>
-              <a:lumOff val="0"/>
-              <a:alphaOff val="0"/>
-            </a:schemeClr>
-          </a:solidFill>
-          <a:prstDash val="solid"/>
-        </a:ln>
-        <a:effectLst/>
-      </dsp:spPr>
-      <dsp:style>
-        <a:lnRef idx="2">
-          <a:scrgbClr r="0" g="0" b="0"/>
-        </a:lnRef>
-        <a:fillRef idx="1">
-          <a:scrgbClr r="0" g="0" b="0"/>
-        </a:fillRef>
-        <a:effectRef idx="0">
-          <a:scrgbClr r="0" g="0" b="0"/>
-        </a:effectRef>
-        <a:fontRef idx="minor">
-          <a:schemeClr val="lt1"/>
-        </a:fontRef>
-      </dsp:style>
-      <dsp:txBody>
-        <a:bodyPr spcFirstLastPara="0" vert="horz" wrap="square" lIns="68580" tIns="68580" rIns="68580" bIns="68580" numCol="1" spcCol="1270" anchor="ctr" anchorCtr="0">
-          <a:noAutofit/>
-        </a:bodyPr>
-        <a:lstStyle/>
-        <a:p>
-          <a:pPr lvl="0" algn="ctr" defTabSz="800100">
-            <a:lnSpc>
-              <a:spcPct val="90000"/>
-            </a:lnSpc>
-            <a:spcBef>
-              <a:spcPct val="0"/>
-            </a:spcBef>
-            <a:spcAft>
-              <a:spcPct val="35000"/>
-            </a:spcAft>
-          </a:pPr>
-          <a:r>
-            <a:rPr lang="zh-CN" altLang="en-US" sz="1800" b="1" kern="1200" dirty="0" smtClean="0"/>
-            <a:t>我们吸引用户的独特手段</a:t>
-          </a:r>
-          <a:endParaRPr lang="zh-CN" altLang="en-US" sz="1800" b="1" kern="1200" dirty="0"/>
-        </a:p>
-      </dsp:txBody>
-      <dsp:txXfrm>
-        <a:off x="4503976" y="2242481"/>
-        <a:ext cx="1001691" cy="1213872"/>
-      </dsp:txXfrm>
-    </dsp:sp>
-    <dsp:sp modelId="{DBC90D8B-4D3C-44D7-A2C5-D2BF4A3041C8}">
-      <dsp:nvSpPr>
-        <dsp:cNvPr id="0" name=""/>
-        <dsp:cNvSpPr/>
-      </dsp:nvSpPr>
-      <dsp:spPr>
-        <a:xfrm>
-          <a:off x="5643234" y="2717479"/>
-          <a:ext cx="225572" cy="263876"/>
-        </a:xfrm>
-        <a:prstGeom prst="rightArrow">
-          <a:avLst>
-            <a:gd name="adj1" fmla="val 60000"/>
-            <a:gd name="adj2" fmla="val 50000"/>
-          </a:avLst>
-        </a:prstGeom>
-        <a:solidFill>
-          <a:schemeClr val="accent1">
-            <a:tint val="60000"/>
-            <a:hueOff val="0"/>
-            <a:satOff val="0"/>
-            <a:lumOff val="0"/>
-            <a:alphaOff val="0"/>
-          </a:schemeClr>
-        </a:solidFill>
-        <a:ln>
-          <a:noFill/>
-        </a:ln>
-        <a:effectLst/>
-      </dsp:spPr>
-      <dsp:style>
-        <a:lnRef idx="0">
-          <a:scrgbClr r="0" g="0" b="0"/>
-        </a:lnRef>
-        <a:fillRef idx="1">
-          <a:scrgbClr r="0" g="0" b="0"/>
-        </a:fillRef>
-        <a:effectRef idx="0">
-          <a:scrgbClr r="0" g="0" b="0"/>
-        </a:effectRef>
-        <a:fontRef idx="minor">
-          <a:schemeClr val="lt1"/>
-        </a:fontRef>
-      </dsp:style>
-      <dsp:txBody>
-        <a:bodyPr spcFirstLastPara="0" vert="horz" wrap="square" lIns="0" tIns="0" rIns="0" bIns="0" numCol="1" spcCol="1270" anchor="ctr" anchorCtr="0">
-          <a:noAutofit/>
-        </a:bodyPr>
-        <a:lstStyle/>
-        <a:p>
-          <a:pPr lvl="0" algn="ctr" defTabSz="488950">
-            <a:lnSpc>
-              <a:spcPct val="90000"/>
-            </a:lnSpc>
-            <a:spcBef>
-              <a:spcPct val="0"/>
-            </a:spcBef>
-            <a:spcAft>
-              <a:spcPct val="35000"/>
-            </a:spcAft>
-          </a:pPr>
-          <a:endParaRPr lang="zh-CN" altLang="en-US" sz="1100" b="1" kern="1200"/>
-        </a:p>
-      </dsp:txBody>
-      <dsp:txXfrm>
-        <a:off x="5643234" y="2770254"/>
-        <a:ext cx="157900" cy="158326"/>
-      </dsp:txXfrm>
-    </dsp:sp>
-    <dsp:sp modelId="{D5674546-B064-429A-8F7C-D41EB49F59DE}">
-      <dsp:nvSpPr>
-        <dsp:cNvPr id="0" name=""/>
-        <dsp:cNvSpPr/>
-      </dsp:nvSpPr>
-      <dsp:spPr>
-        <a:xfrm>
-          <a:off x="5962440" y="2211317"/>
-          <a:ext cx="1064019" cy="1276200"/>
-        </a:xfrm>
-        <a:prstGeom prst="roundRect">
-          <a:avLst>
-            <a:gd name="adj" fmla="val 10000"/>
-          </a:avLst>
-        </a:prstGeom>
-        <a:solidFill>
-          <a:schemeClr val="accent4">
-            <a:lumMod val="75000"/>
-          </a:schemeClr>
-        </a:solidFill>
-        <a:ln w="15875" cap="flat" cmpd="sng" algn="ctr">
-          <a:solidFill>
-            <a:schemeClr val="lt1">
-              <a:hueOff val="0"/>
-              <a:satOff val="0"/>
-              <a:lumOff val="0"/>
-              <a:alphaOff val="0"/>
-            </a:schemeClr>
-          </a:solidFill>
-          <a:prstDash val="solid"/>
-        </a:ln>
-        <a:effectLst/>
-      </dsp:spPr>
-      <dsp:style>
-        <a:lnRef idx="2">
-          <a:scrgbClr r="0" g="0" b="0"/>
-        </a:lnRef>
-        <a:fillRef idx="1">
-          <a:scrgbClr r="0" g="0" b="0"/>
-        </a:fillRef>
-        <a:effectRef idx="0">
-          <a:scrgbClr r="0" g="0" b="0"/>
-        </a:effectRef>
-        <a:fontRef idx="minor">
-          <a:schemeClr val="lt1"/>
-        </a:fontRef>
-      </dsp:style>
-      <dsp:txBody>
-        <a:bodyPr spcFirstLastPara="0" vert="horz" wrap="square" lIns="68580" tIns="68580" rIns="68580" bIns="68580" numCol="1" spcCol="1270" anchor="ctr" anchorCtr="0">
-          <a:noAutofit/>
-        </a:bodyPr>
-        <a:lstStyle/>
-        <a:p>
-          <a:pPr lvl="0" algn="ctr" defTabSz="800100">
-            <a:lnSpc>
-              <a:spcPct val="90000"/>
-            </a:lnSpc>
-            <a:spcBef>
-              <a:spcPct val="0"/>
-            </a:spcBef>
-            <a:spcAft>
-              <a:spcPct val="35000"/>
-            </a:spcAft>
-          </a:pPr>
-          <a:r>
-            <a:rPr lang="zh-CN" altLang="en-US" sz="1800" b="1" kern="1200" dirty="0" smtClean="0"/>
-            <a:t>最终目标</a:t>
-          </a:r>
-          <a:endParaRPr lang="zh-CN" altLang="en-US" sz="1800" b="1" kern="1200" dirty="0"/>
-        </a:p>
-      </dsp:txBody>
-      <dsp:txXfrm>
-        <a:off x="5993604" y="2242481"/>
-        <a:ext cx="1001691" cy="1213872"/>
-      </dsp:txXfrm>
-    </dsp:sp>
-    <dsp:sp modelId="{0FC9310C-144B-455D-833A-279C4E2ECBA3}">
-      <dsp:nvSpPr>
-        <dsp:cNvPr id="0" name=""/>
-        <dsp:cNvSpPr/>
-      </dsp:nvSpPr>
-      <dsp:spPr>
-        <a:xfrm>
-          <a:off x="7132862" y="2717479"/>
-          <a:ext cx="225572" cy="263876"/>
-        </a:xfrm>
-        <a:prstGeom prst="rightArrow">
-          <a:avLst>
-            <a:gd name="adj1" fmla="val 60000"/>
-            <a:gd name="adj2" fmla="val 50000"/>
-          </a:avLst>
-        </a:prstGeom>
-        <a:solidFill>
-          <a:schemeClr val="accent1">
-            <a:tint val="60000"/>
-            <a:hueOff val="0"/>
-            <a:satOff val="0"/>
-            <a:lumOff val="0"/>
-            <a:alphaOff val="0"/>
-          </a:schemeClr>
-        </a:solidFill>
-        <a:ln>
-          <a:noFill/>
-        </a:ln>
-        <a:effectLst/>
-      </dsp:spPr>
-      <dsp:style>
-        <a:lnRef idx="0">
-          <a:scrgbClr r="0" g="0" b="0"/>
-        </a:lnRef>
-        <a:fillRef idx="1">
-          <a:scrgbClr r="0" g="0" b="0"/>
-        </a:fillRef>
-        <a:effectRef idx="0">
-          <a:scrgbClr r="0" g="0" b="0"/>
-        </a:effectRef>
-        <a:fontRef idx="minor">
-          <a:schemeClr val="lt1"/>
-        </a:fontRef>
-      </dsp:style>
-      <dsp:txBody>
-        <a:bodyPr spcFirstLastPara="0" vert="horz" wrap="square" lIns="0" tIns="0" rIns="0" bIns="0" numCol="1" spcCol="1270" anchor="ctr" anchorCtr="0">
-          <a:noAutofit/>
-        </a:bodyPr>
-        <a:lstStyle/>
-        <a:p>
-          <a:pPr lvl="0" algn="ctr" defTabSz="488950">
-            <a:lnSpc>
-              <a:spcPct val="90000"/>
-            </a:lnSpc>
-            <a:spcBef>
-              <a:spcPct val="0"/>
-            </a:spcBef>
-            <a:spcAft>
-              <a:spcPct val="35000"/>
-            </a:spcAft>
-          </a:pPr>
-          <a:endParaRPr lang="zh-CN" altLang="en-US" sz="1100" b="1" kern="1200"/>
-        </a:p>
-      </dsp:txBody>
-      <dsp:txXfrm>
-        <a:off x="7132862" y="2770254"/>
-        <a:ext cx="157900" cy="158326"/>
-      </dsp:txXfrm>
-    </dsp:sp>
-    <dsp:sp modelId="{C4475BEA-F464-418B-8F42-9DE12D9B7D5F}">
-      <dsp:nvSpPr>
-        <dsp:cNvPr id="0" name=""/>
-        <dsp:cNvSpPr/>
-      </dsp:nvSpPr>
-      <dsp:spPr>
-        <a:xfrm>
-          <a:off x="7452067" y="2211317"/>
-          <a:ext cx="1064019" cy="1276200"/>
-        </a:xfrm>
-        <a:prstGeom prst="roundRect">
-          <a:avLst>
-            <a:gd name="adj" fmla="val 10000"/>
-          </a:avLst>
-        </a:prstGeom>
-        <a:solidFill>
-          <a:schemeClr val="accent3">
-            <a:lumMod val="75000"/>
-          </a:schemeClr>
-        </a:solidFill>
-        <a:ln w="15875" cap="flat" cmpd="sng" algn="ctr">
-          <a:solidFill>
-            <a:schemeClr val="lt1">
-              <a:hueOff val="0"/>
-              <a:satOff val="0"/>
-              <a:lumOff val="0"/>
-              <a:alphaOff val="0"/>
-            </a:schemeClr>
-          </a:solidFill>
-          <a:prstDash val="solid"/>
-        </a:ln>
-        <a:effectLst/>
-      </dsp:spPr>
-      <dsp:style>
-        <a:lnRef idx="2">
-          <a:scrgbClr r="0" g="0" b="0"/>
-        </a:lnRef>
-        <a:fillRef idx="1">
-          <a:scrgbClr r="0" g="0" b="0"/>
-        </a:fillRef>
-        <a:effectRef idx="0">
-          <a:scrgbClr r="0" g="0" b="0"/>
-        </a:effectRef>
-        <a:fontRef idx="minor">
-          <a:schemeClr val="lt1"/>
-        </a:fontRef>
-      </dsp:style>
-      <dsp:txBody>
-        <a:bodyPr spcFirstLastPara="0" vert="horz" wrap="square" lIns="68580" tIns="68580" rIns="68580" bIns="68580" numCol="1" spcCol="1270" anchor="ctr" anchorCtr="0">
-          <a:noAutofit/>
-        </a:bodyPr>
-        <a:lstStyle/>
-        <a:p>
-          <a:pPr lvl="0" algn="ctr" defTabSz="800100">
-            <a:lnSpc>
-              <a:spcPct val="90000"/>
-            </a:lnSpc>
-            <a:spcBef>
-              <a:spcPct val="0"/>
-            </a:spcBef>
-            <a:spcAft>
-              <a:spcPct val="35000"/>
-            </a:spcAft>
-          </a:pPr>
-          <a:r>
-            <a:rPr lang="zh-CN" altLang="en-US" sz="1800" b="1" kern="1200" dirty="0" smtClean="0"/>
-            <a:t>财务分析</a:t>
-          </a:r>
-          <a:endParaRPr lang="zh-CN" altLang="en-US" sz="1800" b="1" kern="1200" dirty="0"/>
-        </a:p>
-      </dsp:txBody>
-      <dsp:txXfrm>
-        <a:off x="7483231" y="2242481"/>
-        <a:ext cx="1001691" cy="1213872"/>
-      </dsp:txXfrm>
-    </dsp:sp>
-    <dsp:sp modelId="{D6C9C37B-C24E-4E3A-BC46-CCE51F06F3CE}">
-      <dsp:nvSpPr>
-        <dsp:cNvPr id="0" name=""/>
-        <dsp:cNvSpPr/>
-      </dsp:nvSpPr>
-      <dsp:spPr>
-        <a:xfrm>
-          <a:off x="8622489" y="2717479"/>
-          <a:ext cx="225572" cy="263876"/>
-        </a:xfrm>
-        <a:prstGeom prst="rightArrow">
-          <a:avLst>
-            <a:gd name="adj1" fmla="val 60000"/>
-            <a:gd name="adj2" fmla="val 50000"/>
-          </a:avLst>
-        </a:prstGeom>
-        <a:solidFill>
-          <a:schemeClr val="accent1">
-            <a:tint val="60000"/>
-            <a:hueOff val="0"/>
-            <a:satOff val="0"/>
-            <a:lumOff val="0"/>
-            <a:alphaOff val="0"/>
-          </a:schemeClr>
-        </a:solidFill>
-        <a:ln>
-          <a:noFill/>
-        </a:ln>
-        <a:effectLst/>
-      </dsp:spPr>
-      <dsp:style>
-        <a:lnRef idx="0">
-          <a:scrgbClr r="0" g="0" b="0"/>
-        </a:lnRef>
-        <a:fillRef idx="1">
-          <a:scrgbClr r="0" g="0" b="0"/>
-        </a:fillRef>
-        <a:effectRef idx="0">
-          <a:scrgbClr r="0" g="0" b="0"/>
-        </a:effectRef>
-        <a:fontRef idx="minor">
-          <a:schemeClr val="lt1"/>
-        </a:fontRef>
-      </dsp:style>
-      <dsp:txBody>
-        <a:bodyPr spcFirstLastPara="0" vert="horz" wrap="square" lIns="0" tIns="0" rIns="0" bIns="0" numCol="1" spcCol="1270" anchor="ctr" anchorCtr="0">
-          <a:noAutofit/>
-        </a:bodyPr>
-        <a:lstStyle/>
-        <a:p>
-          <a:pPr lvl="0" algn="ctr" defTabSz="488950">
-            <a:lnSpc>
-              <a:spcPct val="90000"/>
-            </a:lnSpc>
-            <a:spcBef>
-              <a:spcPct val="0"/>
-            </a:spcBef>
-            <a:spcAft>
-              <a:spcPct val="35000"/>
-            </a:spcAft>
-          </a:pPr>
-          <a:endParaRPr lang="zh-CN" altLang="en-US" sz="1100" b="1" kern="1200"/>
-        </a:p>
-      </dsp:txBody>
-      <dsp:txXfrm>
-        <a:off x="8622489" y="2770254"/>
-        <a:ext cx="157900" cy="158326"/>
-      </dsp:txXfrm>
-    </dsp:sp>
-    <dsp:sp modelId="{48EE3643-F904-4672-9242-33C5E83C9467}">
-      <dsp:nvSpPr>
-        <dsp:cNvPr id="0" name=""/>
-        <dsp:cNvSpPr/>
-      </dsp:nvSpPr>
-      <dsp:spPr>
-        <a:xfrm>
-          <a:off x="8941695" y="2211317"/>
-          <a:ext cx="1064019" cy="1276200"/>
-        </a:xfrm>
-        <a:prstGeom prst="roundRect">
-          <a:avLst>
-            <a:gd name="adj" fmla="val 10000"/>
-          </a:avLst>
-        </a:prstGeom>
-        <a:solidFill>
-          <a:schemeClr val="tx2">
-            <a:lumMod val="50000"/>
-          </a:schemeClr>
-        </a:solidFill>
-        <a:ln w="15875" cap="flat" cmpd="sng" algn="ctr">
-          <a:solidFill>
-            <a:schemeClr val="lt1">
-              <a:hueOff val="0"/>
-              <a:satOff val="0"/>
-              <a:lumOff val="0"/>
-              <a:alphaOff val="0"/>
-            </a:schemeClr>
-          </a:solidFill>
-          <a:prstDash val="solid"/>
-        </a:ln>
-        <a:effectLst/>
-      </dsp:spPr>
-      <dsp:style>
-        <a:lnRef idx="2">
-          <a:scrgbClr r="0" g="0" b="0"/>
-        </a:lnRef>
-        <a:fillRef idx="1">
-          <a:scrgbClr r="0" g="0" b="0"/>
-        </a:fillRef>
-        <a:effectRef idx="0">
-          <a:scrgbClr r="0" g="0" b="0"/>
-        </a:effectRef>
-        <a:fontRef idx="minor">
-          <a:schemeClr val="lt1"/>
-        </a:fontRef>
-      </dsp:style>
-      <dsp:txBody>
-        <a:bodyPr spcFirstLastPara="0" vert="horz" wrap="square" lIns="68580" tIns="68580" rIns="68580" bIns="68580" numCol="1" spcCol="1270" anchor="ctr" anchorCtr="0">
-          <a:noAutofit/>
-        </a:bodyPr>
-        <a:lstStyle/>
-        <a:p>
-          <a:pPr lvl="0" algn="ctr" defTabSz="800100">
-            <a:lnSpc>
-              <a:spcPct val="90000"/>
-            </a:lnSpc>
-            <a:spcBef>
-              <a:spcPct val="0"/>
-            </a:spcBef>
-            <a:spcAft>
-              <a:spcPct val="35000"/>
-            </a:spcAft>
-          </a:pPr>
-          <a:r>
-            <a:rPr lang="zh-CN" altLang="en-US" sz="1800" b="1" kern="1200" dirty="0" smtClean="0"/>
-            <a:t>竞争对手现状</a:t>
-          </a:r>
-          <a:endParaRPr lang="zh-CN" altLang="en-US" sz="1800" b="1" kern="1200" dirty="0"/>
-        </a:p>
-      </dsp:txBody>
-      <dsp:txXfrm>
-        <a:off x="8972859" y="2242481"/>
-        <a:ext cx="1001691" cy="1213872"/>
-      </dsp:txXfrm>
-    </dsp:sp>
-    <dsp:sp modelId="{6B387849-24FF-478C-813E-F65C06CAF7C6}">
-      <dsp:nvSpPr>
-        <dsp:cNvPr id="0" name=""/>
-        <dsp:cNvSpPr/>
-      </dsp:nvSpPr>
-      <dsp:spPr>
-        <a:xfrm>
-          <a:off x="10112117" y="2717479"/>
-          <a:ext cx="225572" cy="263876"/>
-        </a:xfrm>
-        <a:prstGeom prst="rightArrow">
-          <a:avLst>
-            <a:gd name="adj1" fmla="val 60000"/>
-            <a:gd name="adj2" fmla="val 50000"/>
-          </a:avLst>
-        </a:prstGeom>
-        <a:solidFill>
-          <a:schemeClr val="accent1">
-            <a:tint val="60000"/>
-            <a:hueOff val="0"/>
-            <a:satOff val="0"/>
-            <a:lumOff val="0"/>
-            <a:alphaOff val="0"/>
-          </a:schemeClr>
-        </a:solidFill>
-        <a:ln>
-          <a:noFill/>
-        </a:ln>
-        <a:effectLst/>
-      </dsp:spPr>
-      <dsp:style>
-        <a:lnRef idx="0">
-          <a:scrgbClr r="0" g="0" b="0"/>
-        </a:lnRef>
-        <a:fillRef idx="1">
-          <a:scrgbClr r="0" g="0" b="0"/>
-        </a:fillRef>
-        <a:effectRef idx="0">
-          <a:scrgbClr r="0" g="0" b="0"/>
-        </a:effectRef>
-        <a:fontRef idx="minor">
-          <a:schemeClr val="lt1"/>
-        </a:fontRef>
-      </dsp:style>
-      <dsp:txBody>
-        <a:bodyPr spcFirstLastPara="0" vert="horz" wrap="square" lIns="0" tIns="0" rIns="0" bIns="0" numCol="1" spcCol="1270" anchor="ctr" anchorCtr="0">
-          <a:noAutofit/>
-        </a:bodyPr>
-        <a:lstStyle/>
-        <a:p>
-          <a:pPr lvl="0" algn="ctr" defTabSz="488950">
-            <a:lnSpc>
-              <a:spcPct val="90000"/>
-            </a:lnSpc>
-            <a:spcBef>
-              <a:spcPct val="0"/>
-            </a:spcBef>
-            <a:spcAft>
-              <a:spcPct val="35000"/>
-            </a:spcAft>
-          </a:pPr>
-          <a:endParaRPr lang="zh-CN" altLang="en-US" sz="1100" kern="1200"/>
-        </a:p>
-      </dsp:txBody>
-      <dsp:txXfrm>
-        <a:off x="10112117" y="2770254"/>
-        <a:ext cx="157900" cy="158326"/>
-      </dsp:txXfrm>
-    </dsp:sp>
-    <dsp:sp modelId="{4FFE8C49-1A49-428D-9185-B0E360B59816}">
-      <dsp:nvSpPr>
-        <dsp:cNvPr id="0" name=""/>
-        <dsp:cNvSpPr/>
-      </dsp:nvSpPr>
-      <dsp:spPr>
-        <a:xfrm>
-          <a:off x="10431322" y="2211317"/>
-          <a:ext cx="1064019" cy="1276200"/>
-        </a:xfrm>
-        <a:prstGeom prst="roundRect">
-          <a:avLst>
-            <a:gd name="adj" fmla="val 10000"/>
-          </a:avLst>
-        </a:prstGeom>
-        <a:solidFill>
-          <a:srgbClr val="C00000"/>
-        </a:solidFill>
-        <a:ln w="15875" cap="flat" cmpd="sng" algn="ctr">
-          <a:solidFill>
-            <a:schemeClr val="lt1">
-              <a:hueOff val="0"/>
-              <a:satOff val="0"/>
-              <a:lumOff val="0"/>
-              <a:alphaOff val="0"/>
-            </a:schemeClr>
-          </a:solidFill>
-          <a:prstDash val="solid"/>
-        </a:ln>
-        <a:effectLst/>
-      </dsp:spPr>
-      <dsp:style>
-        <a:lnRef idx="2">
-          <a:scrgbClr r="0" g="0" b="0"/>
-        </a:lnRef>
-        <a:fillRef idx="1">
-          <a:scrgbClr r="0" g="0" b="0"/>
-        </a:fillRef>
-        <a:effectRef idx="0">
-          <a:scrgbClr r="0" g="0" b="0"/>
-        </a:effectRef>
-        <a:fontRef idx="minor">
-          <a:schemeClr val="lt1"/>
-        </a:fontRef>
-      </dsp:style>
-      <dsp:txBody>
-        <a:bodyPr spcFirstLastPara="0" vert="horz" wrap="square" lIns="68580" tIns="68580" rIns="68580" bIns="68580" numCol="1" spcCol="1270" anchor="ctr" anchorCtr="0">
-          <a:noAutofit/>
-        </a:bodyPr>
-        <a:lstStyle/>
-        <a:p>
-          <a:pPr lvl="0" algn="ctr" defTabSz="800100">
-            <a:lnSpc>
-              <a:spcPct val="90000"/>
-            </a:lnSpc>
-            <a:spcBef>
-              <a:spcPct val="0"/>
-            </a:spcBef>
-            <a:spcAft>
-              <a:spcPct val="35000"/>
-            </a:spcAft>
-          </a:pPr>
-          <a:r>
-            <a:rPr lang="zh-CN" altLang="en-US" sz="1800" b="1" kern="1200" dirty="0" smtClean="0"/>
-            <a:t>我们的团队</a:t>
-          </a:r>
-          <a:endParaRPr lang="zh-CN" altLang="en-US" sz="1800" b="1" kern="1200" dirty="0"/>
-        </a:p>
-      </dsp:txBody>
-      <dsp:txXfrm>
-        <a:off x="10462486" y="2242481"/>
-        <a:ext cx="1001691" cy="1213872"/>
-      </dsp:txXfrm>
-    </dsp:sp>
   </dsp:spTree>
 </dsp:drawing>
 </file>
@@ -5088,540 +3995,6 @@
       <dsp:cNvGrpSpPr/>
     </dsp:nvGrpSpPr>
     <dsp:grpSpPr/>
-    <dsp:sp modelId="{AA2DAA17-F589-4C94-8476-399CE182951D}">
-      <dsp:nvSpPr>
-        <dsp:cNvPr id="0" name=""/>
-        <dsp:cNvSpPr/>
-      </dsp:nvSpPr>
-      <dsp:spPr>
-        <a:xfrm>
-          <a:off x="2647784" y="1583849"/>
-          <a:ext cx="1279055" cy="1279055"/>
-        </a:xfrm>
-        <a:prstGeom prst="roundRect">
-          <a:avLst/>
-        </a:prstGeom>
-        <a:solidFill>
-          <a:schemeClr val="accent1">
-            <a:hueOff val="0"/>
-            <a:satOff val="0"/>
-            <a:lumOff val="0"/>
-            <a:alphaOff val="0"/>
-          </a:schemeClr>
-        </a:solidFill>
-        <a:ln w="15875" cap="flat" cmpd="sng" algn="ctr">
-          <a:solidFill>
-            <a:srgbClr val="C00000"/>
-          </a:solidFill>
-          <a:prstDash val="solid"/>
-        </a:ln>
-        <a:effectLst/>
-      </dsp:spPr>
-      <dsp:style>
-        <a:lnRef idx="2">
-          <a:scrgbClr r="0" g="0" b="0"/>
-        </a:lnRef>
-        <a:fillRef idx="1">
-          <a:scrgbClr r="0" g="0" b="0"/>
-        </a:fillRef>
-        <a:effectRef idx="0">
-          <a:scrgbClr r="0" g="0" b="0"/>
-        </a:effectRef>
-        <a:fontRef idx="minor">
-          <a:schemeClr val="lt1"/>
-        </a:fontRef>
-      </dsp:style>
-      <dsp:txBody>
-        <a:bodyPr spcFirstLastPara="0" vert="horz" wrap="square" lIns="83820" tIns="83820" rIns="83820" bIns="83820" numCol="1" spcCol="1270" anchor="ctr" anchorCtr="0">
-          <a:noAutofit/>
-        </a:bodyPr>
-        <a:lstStyle/>
-        <a:p>
-          <a:pPr lvl="0" algn="ctr" defTabSz="1466850">
-            <a:lnSpc>
-              <a:spcPct val="90000"/>
-            </a:lnSpc>
-            <a:spcBef>
-              <a:spcPct val="0"/>
-            </a:spcBef>
-            <a:spcAft>
-              <a:spcPct val="35000"/>
-            </a:spcAft>
-          </a:pPr>
-          <a:r>
-            <a:rPr lang="zh-CN" altLang="en-US" sz="3300" kern="1200" dirty="0" smtClean="0"/>
-            <a:t>家族百科</a:t>
-          </a:r>
-          <a:endParaRPr lang="zh-CN" altLang="en-US" sz="3300" kern="1200" dirty="0"/>
-        </a:p>
-      </dsp:txBody>
-      <dsp:txXfrm>
-        <a:off x="2710222" y="1646287"/>
-        <a:ext cx="1154179" cy="1154179"/>
-      </dsp:txXfrm>
-    </dsp:sp>
-    <dsp:sp modelId="{6C0007D8-F7DF-45A9-A9E0-9C4FE81CF589}">
-      <dsp:nvSpPr>
-        <dsp:cNvPr id="0" name=""/>
-        <dsp:cNvSpPr/>
-      </dsp:nvSpPr>
-      <dsp:spPr>
-        <a:xfrm rot="16224252">
-          <a:off x="3044813" y="1335090"/>
-          <a:ext cx="497530" cy="0"/>
-        </a:xfrm>
-        <a:custGeom>
-          <a:avLst/>
-          <a:gdLst/>
-          <a:ahLst/>
-          <a:cxnLst/>
-          <a:rect l="0" t="0" r="0" b="0"/>
-          <a:pathLst>
-            <a:path>
-              <a:moveTo>
-                <a:pt x="0" y="0"/>
-              </a:moveTo>
-              <a:lnTo>
-                <a:pt x="497530" y="0"/>
-              </a:lnTo>
-            </a:path>
-          </a:pathLst>
-        </a:custGeom>
-        <a:noFill/>
-        <a:ln w="15875" cap="flat" cmpd="sng" algn="ctr">
-          <a:solidFill>
-            <a:schemeClr val="accent1">
-              <a:shade val="60000"/>
-              <a:hueOff val="0"/>
-              <a:satOff val="0"/>
-              <a:lumOff val="0"/>
-              <a:alphaOff val="0"/>
-            </a:schemeClr>
-          </a:solidFill>
-          <a:prstDash val="solid"/>
-        </a:ln>
-        <a:effectLst/>
-      </dsp:spPr>
-      <dsp:style>
-        <a:lnRef idx="2">
-          <a:scrgbClr r="0" g="0" b="0"/>
-        </a:lnRef>
-        <a:fillRef idx="0">
-          <a:scrgbClr r="0" g="0" b="0"/>
-        </a:fillRef>
-        <a:effectRef idx="0">
-          <a:scrgbClr r="0" g="0" b="0"/>
-        </a:effectRef>
-        <a:fontRef idx="minor"/>
-      </dsp:style>
-    </dsp:sp>
-    <dsp:sp modelId="{580F0B46-2DC0-41BF-83DF-B30143D37B0E}">
-      <dsp:nvSpPr>
-        <dsp:cNvPr id="0" name=""/>
-        <dsp:cNvSpPr/>
-      </dsp:nvSpPr>
-      <dsp:spPr>
-        <a:xfrm>
-          <a:off x="1546922" y="229363"/>
-          <a:ext cx="3502869" cy="856966"/>
-        </a:xfrm>
-        <a:prstGeom prst="roundRect">
-          <a:avLst/>
-        </a:prstGeom>
-        <a:solidFill>
-          <a:srgbClr val="00B0F0"/>
-        </a:solidFill>
-        <a:ln w="15875" cap="flat" cmpd="sng" algn="ctr">
-          <a:solidFill>
-            <a:schemeClr val="bg2">
-              <a:lumMod val="25000"/>
-            </a:schemeClr>
-          </a:solidFill>
-          <a:prstDash val="solid"/>
-        </a:ln>
-        <a:effectLst/>
-      </dsp:spPr>
-      <dsp:style>
-        <a:lnRef idx="2">
-          <a:scrgbClr r="0" g="0" b="0"/>
-        </a:lnRef>
-        <a:fillRef idx="1">
-          <a:scrgbClr r="0" g="0" b="0"/>
-        </a:fillRef>
-        <a:effectRef idx="0">
-          <a:scrgbClr r="0" g="0" b="0"/>
-        </a:effectRef>
-        <a:fontRef idx="minor">
-          <a:schemeClr val="lt1"/>
-        </a:fontRef>
-      </dsp:style>
-      <dsp:txBody>
-        <a:bodyPr spcFirstLastPara="0" vert="horz" wrap="square" lIns="38100" tIns="38100" rIns="38100" bIns="38100" numCol="1" spcCol="1270" anchor="ctr" anchorCtr="0">
-          <a:noAutofit/>
-        </a:bodyPr>
-        <a:lstStyle/>
-        <a:p>
-          <a:pPr lvl="0" algn="l" defTabSz="666750">
-            <a:lnSpc>
-              <a:spcPct val="90000"/>
-            </a:lnSpc>
-            <a:spcBef>
-              <a:spcPct val="0"/>
-            </a:spcBef>
-            <a:spcAft>
-              <a:spcPct val="35000"/>
-            </a:spcAft>
-          </a:pPr>
-          <a:r>
-            <a:rPr lang="zh-CN" altLang="en-US" sz="1500" b="1" kern="1200" dirty="0" smtClean="0"/>
-            <a:t>百科社区成型</a:t>
-          </a:r>
-          <a:endParaRPr lang="en-US" altLang="zh-CN" sz="1500" b="1" kern="1200" dirty="0" smtClean="0"/>
-        </a:p>
-        <a:p>
-          <a:pPr lvl="0" algn="l" defTabSz="666750">
-            <a:lnSpc>
-              <a:spcPct val="90000"/>
-            </a:lnSpc>
-            <a:spcBef>
-              <a:spcPct val="0"/>
-            </a:spcBef>
-            <a:spcAft>
-              <a:spcPct val="35000"/>
-            </a:spcAft>
-          </a:pPr>
-          <a:r>
-            <a:rPr lang="zh-CN" altLang="en-US" sz="1500" kern="1200" dirty="0" smtClean="0">
-              <a:solidFill>
-                <a:schemeClr val="bg1">
-                  <a:lumMod val="85000"/>
-                </a:schemeClr>
-              </a:solidFill>
-            </a:rPr>
-            <a:t>借鉴维基百科经验，激发用户的维护欲</a:t>
-          </a:r>
-          <a:endParaRPr lang="zh-CN" altLang="en-US" sz="1500" kern="1200" dirty="0">
-            <a:solidFill>
-              <a:schemeClr val="bg1">
-                <a:lumMod val="85000"/>
-              </a:schemeClr>
-            </a:solidFill>
-          </a:endParaRPr>
-        </a:p>
-      </dsp:txBody>
-      <dsp:txXfrm>
-        <a:off x="1588756" y="271197"/>
-        <a:ext cx="3419201" cy="773298"/>
-      </dsp:txXfrm>
-    </dsp:sp>
-    <dsp:sp modelId="{7F5ABFDB-82BE-4E2B-8FCF-65847341312A}">
-      <dsp:nvSpPr>
-        <dsp:cNvPr id="0" name=""/>
-        <dsp:cNvSpPr/>
-      </dsp:nvSpPr>
-      <dsp:spPr>
-        <a:xfrm rot="2115451">
-          <a:off x="3851527" y="2912479"/>
-          <a:ext cx="821143" cy="0"/>
-        </a:xfrm>
-        <a:custGeom>
-          <a:avLst/>
-          <a:gdLst/>
-          <a:ahLst/>
-          <a:cxnLst/>
-          <a:rect l="0" t="0" r="0" b="0"/>
-          <a:pathLst>
-            <a:path>
-              <a:moveTo>
-                <a:pt x="0" y="0"/>
-              </a:moveTo>
-              <a:lnTo>
-                <a:pt x="821143" y="0"/>
-              </a:lnTo>
-            </a:path>
-          </a:pathLst>
-        </a:custGeom>
-        <a:noFill/>
-        <a:ln w="15875" cap="flat" cmpd="sng" algn="ctr">
-          <a:solidFill>
-            <a:schemeClr val="accent1">
-              <a:shade val="60000"/>
-              <a:hueOff val="0"/>
-              <a:satOff val="0"/>
-              <a:lumOff val="0"/>
-              <a:alphaOff val="0"/>
-            </a:schemeClr>
-          </a:solidFill>
-          <a:prstDash val="solid"/>
-        </a:ln>
-        <a:effectLst/>
-      </dsp:spPr>
-      <dsp:style>
-        <a:lnRef idx="2">
-          <a:scrgbClr r="0" g="0" b="0"/>
-        </a:lnRef>
-        <a:fillRef idx="0">
-          <a:scrgbClr r="0" g="0" b="0"/>
-        </a:fillRef>
-        <a:effectRef idx="0">
-          <a:scrgbClr r="0" g="0" b="0"/>
-        </a:effectRef>
-        <a:fontRef idx="minor"/>
-      </dsp:style>
-    </dsp:sp>
-    <dsp:sp modelId="{A2C94CCF-A661-42A4-BB7B-E2DA054F486D}">
-      <dsp:nvSpPr>
-        <dsp:cNvPr id="0" name=""/>
-        <dsp:cNvSpPr/>
-      </dsp:nvSpPr>
-      <dsp:spPr>
-        <a:xfrm>
-          <a:off x="3776221" y="3149482"/>
-          <a:ext cx="2854513" cy="856966"/>
-        </a:xfrm>
-        <a:prstGeom prst="roundRect">
-          <a:avLst/>
-        </a:prstGeom>
-        <a:solidFill>
-          <a:schemeClr val="accent5">
-            <a:lumMod val="75000"/>
-          </a:schemeClr>
-        </a:solidFill>
-        <a:ln w="15875" cap="flat" cmpd="sng" algn="ctr">
-          <a:solidFill>
-            <a:schemeClr val="tx1"/>
-          </a:solidFill>
-          <a:prstDash val="solid"/>
-        </a:ln>
-        <a:effectLst/>
-      </dsp:spPr>
-      <dsp:style>
-        <a:lnRef idx="2">
-          <a:scrgbClr r="0" g="0" b="0"/>
-        </a:lnRef>
-        <a:fillRef idx="1">
-          <a:scrgbClr r="0" g="0" b="0"/>
-        </a:fillRef>
-        <a:effectRef idx="0">
-          <a:scrgbClr r="0" g="0" b="0"/>
-        </a:effectRef>
-        <a:fontRef idx="minor">
-          <a:schemeClr val="lt1"/>
-        </a:fontRef>
-      </dsp:style>
-      <dsp:txBody>
-        <a:bodyPr spcFirstLastPara="0" vert="horz" wrap="square" lIns="33020" tIns="33020" rIns="33020" bIns="33020" numCol="1" spcCol="1270" anchor="ctr" anchorCtr="0">
-          <a:noAutofit/>
-        </a:bodyPr>
-        <a:lstStyle/>
-        <a:p>
-          <a:pPr lvl="0" algn="l" defTabSz="577850">
-            <a:lnSpc>
-              <a:spcPct val="90000"/>
-            </a:lnSpc>
-            <a:spcBef>
-              <a:spcPct val="0"/>
-            </a:spcBef>
-            <a:spcAft>
-              <a:spcPct val="35000"/>
-            </a:spcAft>
-          </a:pPr>
-          <a:r>
-            <a:rPr lang="zh-CN" altLang="en-US" sz="1300" b="1" kern="1200" dirty="0" smtClean="0"/>
-            <a:t>大数据形成规模</a:t>
-          </a:r>
-          <a:endParaRPr lang="en-US" altLang="zh-CN" sz="1300" b="1" kern="1200" dirty="0" smtClean="0"/>
-        </a:p>
-        <a:p>
-          <a:pPr lvl="0" algn="l" defTabSz="577850">
-            <a:lnSpc>
-              <a:spcPct val="90000"/>
-            </a:lnSpc>
-            <a:spcBef>
-              <a:spcPct val="0"/>
-            </a:spcBef>
-            <a:spcAft>
-              <a:spcPct val="35000"/>
-            </a:spcAft>
-          </a:pPr>
-          <a:r>
-            <a:rPr lang="zh-CN" sz="1300" kern="1200" dirty="0" smtClean="0">
-              <a:solidFill>
-                <a:schemeClr val="bg1">
-                  <a:lumMod val="85000"/>
-                </a:schemeClr>
-              </a:solidFill>
-            </a:rPr>
-            <a:t>大量利用在世的家谱数据，分析用户的祖先。</a:t>
-          </a:r>
-          <a:endParaRPr lang="zh-CN" altLang="en-US" sz="1300" kern="1200" dirty="0">
-            <a:solidFill>
-              <a:schemeClr val="bg1">
-                <a:lumMod val="85000"/>
-              </a:schemeClr>
-            </a:solidFill>
-          </a:endParaRPr>
-        </a:p>
-      </dsp:txBody>
-      <dsp:txXfrm>
-        <a:off x="3818055" y="3191316"/>
-        <a:ext cx="2770845" cy="773298"/>
-      </dsp:txXfrm>
-    </dsp:sp>
-    <dsp:sp modelId="{675992C0-5CF3-4B70-A673-C9AC492A0145}">
-      <dsp:nvSpPr>
-        <dsp:cNvPr id="0" name=""/>
-        <dsp:cNvSpPr/>
-      </dsp:nvSpPr>
-      <dsp:spPr>
-        <a:xfrm rot="8780441">
-          <a:off x="1787120" y="2909568"/>
-          <a:ext cx="939410" cy="0"/>
-        </a:xfrm>
-        <a:custGeom>
-          <a:avLst/>
-          <a:gdLst/>
-          <a:ahLst/>
-          <a:cxnLst/>
-          <a:rect l="0" t="0" r="0" b="0"/>
-          <a:pathLst>
-            <a:path>
-              <a:moveTo>
-                <a:pt x="0" y="0"/>
-              </a:moveTo>
-              <a:lnTo>
-                <a:pt x="939410" y="0"/>
-              </a:lnTo>
-            </a:path>
-          </a:pathLst>
-        </a:custGeom>
-        <a:noFill/>
-        <a:ln w="15875" cap="flat" cmpd="sng" algn="ctr">
-          <a:solidFill>
-            <a:schemeClr val="accent1">
-              <a:shade val="60000"/>
-              <a:hueOff val="0"/>
-              <a:satOff val="0"/>
-              <a:lumOff val="0"/>
-              <a:alphaOff val="0"/>
-            </a:schemeClr>
-          </a:solidFill>
-          <a:prstDash val="solid"/>
-        </a:ln>
-        <a:effectLst/>
-      </dsp:spPr>
-      <dsp:style>
-        <a:lnRef idx="2">
-          <a:scrgbClr r="0" g="0" b="0"/>
-        </a:lnRef>
-        <a:fillRef idx="0">
-          <a:scrgbClr r="0" g="0" b="0"/>
-        </a:fillRef>
-        <a:effectRef idx="0">
-          <a:scrgbClr r="0" g="0" b="0"/>
-        </a:effectRef>
-        <a:fontRef idx="minor"/>
-      </dsp:style>
-    </dsp:sp>
-    <dsp:sp modelId="{BD1AE0CF-CEBD-4C15-BC1B-AA8291DDD5B8}">
-      <dsp:nvSpPr>
-        <dsp:cNvPr id="0" name=""/>
-        <dsp:cNvSpPr/>
-      </dsp:nvSpPr>
-      <dsp:spPr>
-        <a:xfrm>
-          <a:off x="0" y="3169904"/>
-          <a:ext cx="2444789" cy="856966"/>
-        </a:xfrm>
-        <a:prstGeom prst="roundRect">
-          <a:avLst/>
-        </a:prstGeom>
-        <a:solidFill>
-          <a:schemeClr val="accent1">
-            <a:lumMod val="75000"/>
-          </a:schemeClr>
-        </a:solidFill>
-        <a:ln w="15875" cap="flat" cmpd="sng" algn="ctr">
-          <a:solidFill>
-            <a:schemeClr val="tx2"/>
-          </a:solidFill>
-          <a:prstDash val="solid"/>
-        </a:ln>
-        <a:effectLst/>
-      </dsp:spPr>
-      <dsp:style>
-        <a:lnRef idx="2">
-          <a:scrgbClr r="0" g="0" b="0"/>
-        </a:lnRef>
-        <a:fillRef idx="1">
-          <a:scrgbClr r="0" g="0" b="0"/>
-        </a:fillRef>
-        <a:effectRef idx="0">
-          <a:scrgbClr r="0" g="0" b="0"/>
-        </a:effectRef>
-        <a:fontRef idx="minor">
-          <a:schemeClr val="lt1"/>
-        </a:fontRef>
-      </dsp:style>
-      <dsp:txBody>
-        <a:bodyPr spcFirstLastPara="0" vert="horz" wrap="square" lIns="33020" tIns="33020" rIns="33020" bIns="33020" numCol="1" spcCol="1270" anchor="ctr" anchorCtr="0">
-          <a:noAutofit/>
-        </a:bodyPr>
-        <a:lstStyle/>
-        <a:p>
-          <a:pPr lvl="0" algn="l" defTabSz="577850">
-            <a:lnSpc>
-              <a:spcPct val="90000"/>
-            </a:lnSpc>
-            <a:spcBef>
-              <a:spcPct val="0"/>
-            </a:spcBef>
-            <a:spcAft>
-              <a:spcPct val="35000"/>
-            </a:spcAft>
-          </a:pPr>
-          <a:r>
-            <a:rPr lang="zh-CN" altLang="en-US" sz="1300" b="1" kern="1200" dirty="0" smtClean="0"/>
-            <a:t>建立安全形象</a:t>
-          </a:r>
-          <a:endParaRPr lang="en-US" altLang="zh-CN" sz="1300" b="1" kern="1200" dirty="0" smtClean="0"/>
-        </a:p>
-        <a:p>
-          <a:pPr lvl="0" algn="l" defTabSz="577850">
-            <a:lnSpc>
-              <a:spcPct val="90000"/>
-            </a:lnSpc>
-            <a:spcBef>
-              <a:spcPct val="0"/>
-            </a:spcBef>
-            <a:spcAft>
-              <a:spcPct val="35000"/>
-            </a:spcAft>
-          </a:pPr>
-          <a:r>
-            <a:rPr lang="zh-CN" sz="1300" kern="1200" dirty="0" smtClean="0">
-              <a:solidFill>
-                <a:schemeClr val="bg1">
-                  <a:lumMod val="75000"/>
-                </a:schemeClr>
-              </a:solidFill>
-            </a:rPr>
-            <a:t>成为网民心中成为可信任的家族信息保险箱</a:t>
-          </a:r>
-          <a:endParaRPr lang="zh-CN" altLang="en-US" sz="1300" kern="1200" dirty="0">
-            <a:solidFill>
-              <a:schemeClr val="bg1">
-                <a:lumMod val="75000"/>
-              </a:schemeClr>
-            </a:solidFill>
-          </a:endParaRPr>
-        </a:p>
-      </dsp:txBody>
-      <dsp:txXfrm>
-        <a:off x="41834" y="3211738"/>
-        <a:ext cx="2361121" cy="773298"/>
-      </dsp:txXfrm>
-    </dsp:sp>
   </dsp:spTree>
 </dsp:drawing>
 </file>
@@ -16655,7 +15028,7 @@
         <p:spPr>
           <a:xfrm>
             <a:off x="8700655" y="5413954"/>
-            <a:ext cx="3238387" cy="369332"/>
+            <a:ext cx="2326278" cy="369332"/>
           </a:xfrm>
           <a:prstGeom prst="rect">
             <a:avLst/>
@@ -16669,12 +15042,16 @@
           <a:lstStyle/>
           <a:p>
             <a:r>
-              <a:rPr lang="en-US" altLang="zh-CN" b="1" dirty="0" smtClean="0"/>
+              <a:rPr lang="en-US" altLang="zh-CN" b="1" smtClean="0"/>
               <a:t>----</a:t>
             </a:r>
             <a:r>
+              <a:rPr lang="zh-CN" altLang="en-US" b="1" smtClean="0"/>
+              <a:t>家族</a:t>
+            </a:r>
+            <a:r>
               <a:rPr lang="zh-CN" altLang="en-US" b="1" dirty="0" smtClean="0"/>
-              <a:t>王志强与家族百科创业团队</a:t>
+              <a:t>百科创业团队</a:t>
             </a:r>
             <a:endParaRPr lang="zh-CN" altLang="en-US" b="1" dirty="0"/>
           </a:p>
